--- a/Instructions_Pictures/AFACT & MAB Instructions/BmmInstsPresntation.pptx
+++ b/Instructions_Pictures/AFACT & MAB Instructions/BmmInstsPresntation.pptx
@@ -247,7 +247,7 @@
           <a:p>
             <a:fld id="{306B59E2-DA6D-487B-96A5-0C8E7410BF99}" type="datetimeFigureOut">
               <a:rPr lang="he-IL" smtClean="0"/>
-              <a:t>י"ג/אלול/תש"ף</a:t>
+              <a:t>ט"ו/שבט/תשפ"א</a:t>
             </a:fld>
             <a:endParaRPr lang="he-IL"/>
           </a:p>
@@ -417,7 +417,7 @@
           <a:p>
             <a:fld id="{306B59E2-DA6D-487B-96A5-0C8E7410BF99}" type="datetimeFigureOut">
               <a:rPr lang="he-IL" smtClean="0"/>
-              <a:t>י"ג/אלול/תש"ף</a:t>
+              <a:t>ט"ו/שבט/תשפ"א</a:t>
             </a:fld>
             <a:endParaRPr lang="he-IL"/>
           </a:p>
@@ -597,7 +597,7 @@
           <a:p>
             <a:fld id="{306B59E2-DA6D-487B-96A5-0C8E7410BF99}" type="datetimeFigureOut">
               <a:rPr lang="he-IL" smtClean="0"/>
-              <a:t>י"ג/אלול/תש"ף</a:t>
+              <a:t>ט"ו/שבט/תשפ"א</a:t>
             </a:fld>
             <a:endParaRPr lang="he-IL"/>
           </a:p>
@@ -767,7 +767,7 @@
           <a:p>
             <a:fld id="{306B59E2-DA6D-487B-96A5-0C8E7410BF99}" type="datetimeFigureOut">
               <a:rPr lang="he-IL" smtClean="0"/>
-              <a:t>י"ג/אלול/תש"ף</a:t>
+              <a:t>ט"ו/שבט/תשפ"א</a:t>
             </a:fld>
             <a:endParaRPr lang="he-IL"/>
           </a:p>
@@ -1013,7 +1013,7 @@
           <a:p>
             <a:fld id="{306B59E2-DA6D-487B-96A5-0C8E7410BF99}" type="datetimeFigureOut">
               <a:rPr lang="he-IL" smtClean="0"/>
-              <a:t>י"ג/אלול/תש"ף</a:t>
+              <a:t>ט"ו/שבט/תשפ"א</a:t>
             </a:fld>
             <a:endParaRPr lang="he-IL"/>
           </a:p>
@@ -1245,7 +1245,7 @@
           <a:p>
             <a:fld id="{306B59E2-DA6D-487B-96A5-0C8E7410BF99}" type="datetimeFigureOut">
               <a:rPr lang="he-IL" smtClean="0"/>
-              <a:t>י"ג/אלול/תש"ף</a:t>
+              <a:t>ט"ו/שבט/תשפ"א</a:t>
             </a:fld>
             <a:endParaRPr lang="he-IL"/>
           </a:p>
@@ -1612,7 +1612,7 @@
           <a:p>
             <a:fld id="{306B59E2-DA6D-487B-96A5-0C8E7410BF99}" type="datetimeFigureOut">
               <a:rPr lang="he-IL" smtClean="0"/>
-              <a:t>י"ג/אלול/תש"ף</a:t>
+              <a:t>ט"ו/שבט/תשפ"א</a:t>
             </a:fld>
             <a:endParaRPr lang="he-IL"/>
           </a:p>
@@ -1730,7 +1730,7 @@
           <a:p>
             <a:fld id="{306B59E2-DA6D-487B-96A5-0C8E7410BF99}" type="datetimeFigureOut">
               <a:rPr lang="he-IL" smtClean="0"/>
-              <a:t>י"ג/אלול/תש"ף</a:t>
+              <a:t>ט"ו/שבט/תשפ"א</a:t>
             </a:fld>
             <a:endParaRPr lang="he-IL"/>
           </a:p>
@@ -1825,7 +1825,7 @@
           <a:p>
             <a:fld id="{306B59E2-DA6D-487B-96A5-0C8E7410BF99}" type="datetimeFigureOut">
               <a:rPr lang="he-IL" smtClean="0"/>
-              <a:t>י"ג/אלול/תש"ף</a:t>
+              <a:t>ט"ו/שבט/תשפ"א</a:t>
             </a:fld>
             <a:endParaRPr lang="he-IL"/>
           </a:p>
@@ -2102,7 +2102,7 @@
           <a:p>
             <a:fld id="{306B59E2-DA6D-487B-96A5-0C8E7410BF99}" type="datetimeFigureOut">
               <a:rPr lang="he-IL" smtClean="0"/>
-              <a:t>י"ג/אלול/תש"ף</a:t>
+              <a:t>ט"ו/שבט/תשפ"א</a:t>
             </a:fld>
             <a:endParaRPr lang="he-IL"/>
           </a:p>
@@ -2355,7 +2355,7 @@
           <a:p>
             <a:fld id="{306B59E2-DA6D-487B-96A5-0C8E7410BF99}" type="datetimeFigureOut">
               <a:rPr lang="he-IL" smtClean="0"/>
-              <a:t>י"ג/אלול/תש"ף</a:t>
+              <a:t>ט"ו/שבט/תשפ"א</a:t>
             </a:fld>
             <a:endParaRPr lang="he-IL"/>
           </a:p>
@@ -2571,7 +2571,7 @@
           <a:p>
             <a:fld id="{306B59E2-DA6D-487B-96A5-0C8E7410BF99}" type="datetimeFigureOut">
               <a:rPr lang="he-IL" smtClean="0"/>
-              <a:t>י"ג/אלול/תש"ף</a:t>
+              <a:t>ט"ו/שבט/תשפ"א</a:t>
             </a:fld>
             <a:endParaRPr lang="he-IL"/>
           </a:p>
@@ -3058,7 +3058,7 @@
                 <a:latin typeface="David" panose="020E0502060401010101" pitchFamily="34" charset="-79"/>
                 <a:cs typeface="David" panose="020E0502060401010101" pitchFamily="34" charset="-79"/>
               </a:rPr>
-              <a:t>בעת ביצוע המטלה האחרונה המחשב בדק את תגובותייך ומצא שלמחשבות מסוימות (המשפטים המוקלטים ששמעת) יש השפעה על הדרך שבה אתה מפנה את הקשב שלך.</a:t>
+              <a:t>בעת ביצוע המטלה האחרונה המחשב בדק את תגובותייך ומצא שלמחשבות מסוימות יש השפעה על הדרך שבה אתה מפנה את הקשב שלך.</a:t>
             </a:r>
           </a:p>
           <a:p>

--- a/Instructions_Pictures/AFACT & MAB Instructions/BmmInstsPresntation.pptx
+++ b/Instructions_Pictures/AFACT & MAB Instructions/BmmInstsPresntation.pptx
@@ -7,9 +7,6 @@
   <p:sldIdLst>
     <p:sldId id="264" r:id="rId2"/>
     <p:sldId id="265" r:id="rId3"/>
-    <p:sldId id="266" r:id="rId4"/>
-    <p:sldId id="279" r:id="rId5"/>
-    <p:sldId id="280" r:id="rId6"/>
   </p:sldIdLst>
   <p:sldSz cx="12192000" cy="6858000"/>
   <p:notesSz cx="6858000" cy="9144000"/>
@@ -247,7 +244,7 @@
           <a:p>
             <a:fld id="{306B59E2-DA6D-487B-96A5-0C8E7410BF99}" type="datetimeFigureOut">
               <a:rPr lang="he-IL" smtClean="0"/>
-              <a:t>ט"ו/שבט/תשפ"א</a:t>
+              <a:t>כ"ט/שבט/תשפ"א</a:t>
             </a:fld>
             <a:endParaRPr lang="he-IL"/>
           </a:p>
@@ -417,7 +414,7 @@
           <a:p>
             <a:fld id="{306B59E2-DA6D-487B-96A5-0C8E7410BF99}" type="datetimeFigureOut">
               <a:rPr lang="he-IL" smtClean="0"/>
-              <a:t>ט"ו/שבט/תשפ"א</a:t>
+              <a:t>כ"ט/שבט/תשפ"א</a:t>
             </a:fld>
             <a:endParaRPr lang="he-IL"/>
           </a:p>
@@ -597,7 +594,7 @@
           <a:p>
             <a:fld id="{306B59E2-DA6D-487B-96A5-0C8E7410BF99}" type="datetimeFigureOut">
               <a:rPr lang="he-IL" smtClean="0"/>
-              <a:t>ט"ו/שבט/תשפ"א</a:t>
+              <a:t>כ"ט/שבט/תשפ"א</a:t>
             </a:fld>
             <a:endParaRPr lang="he-IL"/>
           </a:p>
@@ -767,7 +764,7 @@
           <a:p>
             <a:fld id="{306B59E2-DA6D-487B-96A5-0C8E7410BF99}" type="datetimeFigureOut">
               <a:rPr lang="he-IL" smtClean="0"/>
-              <a:t>ט"ו/שבט/תשפ"א</a:t>
+              <a:t>כ"ט/שבט/תשפ"א</a:t>
             </a:fld>
             <a:endParaRPr lang="he-IL"/>
           </a:p>
@@ -1013,7 +1010,7 @@
           <a:p>
             <a:fld id="{306B59E2-DA6D-487B-96A5-0C8E7410BF99}" type="datetimeFigureOut">
               <a:rPr lang="he-IL" smtClean="0"/>
-              <a:t>ט"ו/שבט/תשפ"א</a:t>
+              <a:t>כ"ט/שבט/תשפ"א</a:t>
             </a:fld>
             <a:endParaRPr lang="he-IL"/>
           </a:p>
@@ -1245,7 +1242,7 @@
           <a:p>
             <a:fld id="{306B59E2-DA6D-487B-96A5-0C8E7410BF99}" type="datetimeFigureOut">
               <a:rPr lang="he-IL" smtClean="0"/>
-              <a:t>ט"ו/שבט/תשפ"א</a:t>
+              <a:t>כ"ט/שבט/תשפ"א</a:t>
             </a:fld>
             <a:endParaRPr lang="he-IL"/>
           </a:p>
@@ -1612,7 +1609,7 @@
           <a:p>
             <a:fld id="{306B59E2-DA6D-487B-96A5-0C8E7410BF99}" type="datetimeFigureOut">
               <a:rPr lang="he-IL" smtClean="0"/>
-              <a:t>ט"ו/שבט/תשפ"א</a:t>
+              <a:t>כ"ט/שבט/תשפ"א</a:t>
             </a:fld>
             <a:endParaRPr lang="he-IL"/>
           </a:p>
@@ -1730,7 +1727,7 @@
           <a:p>
             <a:fld id="{306B59E2-DA6D-487B-96A5-0C8E7410BF99}" type="datetimeFigureOut">
               <a:rPr lang="he-IL" smtClean="0"/>
-              <a:t>ט"ו/שבט/תשפ"א</a:t>
+              <a:t>כ"ט/שבט/תשפ"א</a:t>
             </a:fld>
             <a:endParaRPr lang="he-IL"/>
           </a:p>
@@ -1825,7 +1822,7 @@
           <a:p>
             <a:fld id="{306B59E2-DA6D-487B-96A5-0C8E7410BF99}" type="datetimeFigureOut">
               <a:rPr lang="he-IL" smtClean="0"/>
-              <a:t>ט"ו/שבט/תשפ"א</a:t>
+              <a:t>כ"ט/שבט/תשפ"א</a:t>
             </a:fld>
             <a:endParaRPr lang="he-IL"/>
           </a:p>
@@ -2102,7 +2099,7 @@
           <a:p>
             <a:fld id="{306B59E2-DA6D-487B-96A5-0C8E7410BF99}" type="datetimeFigureOut">
               <a:rPr lang="he-IL" smtClean="0"/>
-              <a:t>ט"ו/שבט/תשפ"א</a:t>
+              <a:t>כ"ט/שבט/תשפ"א</a:t>
             </a:fld>
             <a:endParaRPr lang="he-IL"/>
           </a:p>
@@ -2355,7 +2352,7 @@
           <a:p>
             <a:fld id="{306B59E2-DA6D-487B-96A5-0C8E7410BF99}" type="datetimeFigureOut">
               <a:rPr lang="he-IL" smtClean="0"/>
-              <a:t>ט"ו/שבט/תשפ"א</a:t>
+              <a:t>כ"ט/שבט/תשפ"א</a:t>
             </a:fld>
             <a:endParaRPr lang="he-IL"/>
           </a:p>
@@ -2571,7 +2568,7 @@
           <a:p>
             <a:fld id="{306B59E2-DA6D-487B-96A5-0C8E7410BF99}" type="datetimeFigureOut">
               <a:rPr lang="he-IL" smtClean="0"/>
-              <a:t>ט"ו/שבט/תשפ"א</a:t>
+              <a:t>כ"ט/שבט/תשפ"א</a:t>
             </a:fld>
             <a:endParaRPr lang="he-IL"/>
           </a:p>
@@ -3113,26 +3110,6 @@
           </a:p>
           <a:p>
             <a:pPr algn="ctr" rtl="1"/>
-            <a:endParaRPr lang="he-IL" sz="2325" dirty="0">
-              <a:solidFill>
-                <a:schemeClr val="tx1"/>
-              </a:solidFill>
-              <a:latin typeface="David" panose="020E0502060401010101" pitchFamily="34" charset="-79"/>
-              <a:cs typeface="David" panose="020E0502060401010101" pitchFamily="34" charset="-79"/>
-            </a:endParaRPr>
-          </a:p>
-          <a:p>
-            <a:pPr algn="ctr" rtl="1"/>
-            <a:r>
-              <a:rPr lang="he-IL" sz="2325" dirty="0">
-                <a:solidFill>
-                  <a:schemeClr val="tx1"/>
-                </a:solidFill>
-                <a:latin typeface="David" panose="020E0502060401010101" pitchFamily="34" charset="-79"/>
-                <a:cs typeface="David" panose="020E0502060401010101" pitchFamily="34" charset="-79"/>
-              </a:rPr>
-              <a:t>לעתים אתה עשוי להיות מודע להטיה זו ולעתים לא.</a:t>
-            </a:r>
             <a:endParaRPr lang="en-US" sz="2325" dirty="0">
               <a:solidFill>
                 <a:schemeClr val="tx1"/>
@@ -3140,6 +3117,19 @@
               <a:latin typeface="David" panose="020E0502060401010101" pitchFamily="34" charset="-79"/>
               <a:cs typeface="David" panose="020E0502060401010101" pitchFamily="34" charset="-79"/>
             </a:endParaRPr>
+          </a:p>
+          <a:p>
+            <a:pPr algn="ctr" rtl="1"/>
+            <a:r>
+              <a:rPr lang="he-IL" sz="2325">
+                <a:solidFill>
+                  <a:schemeClr val="tx1"/>
+                </a:solidFill>
+                <a:latin typeface="David" panose="020E0502060401010101" pitchFamily="34" charset="-79"/>
+                <a:cs typeface="David" panose="020E0502060401010101" pitchFamily="34" charset="-79"/>
+              </a:rPr>
+              <a:t>בשלב הבא של הניסוי, אתה תבצע אימון מנטלי שנועד להפחית את הטיית הקשב שלך.</a:t>
+            </a:r>
           </a:p>
         </p:txBody>
       </p:sp>
@@ -3295,53 +3285,7 @@
                 <a:latin typeface="David" panose="020E0502060401010101" pitchFamily="34" charset="-79"/>
                 <a:cs typeface="David" panose="020E0502060401010101" pitchFamily="34" charset="-79"/>
               </a:rPr>
-              <a:t>בשלב הבא של הניסוי, אתה תבצע אימון מנטלי שנועד להפחית את הטיית הקשב שלך.</a:t>
-            </a:r>
-          </a:p>
-          <a:p>
-            <a:pPr algn="ctr" rtl="1"/>
-            <a:endParaRPr lang="he-IL" sz="2325" dirty="0">
-              <a:solidFill>
-                <a:schemeClr val="tx1"/>
-              </a:solidFill>
-              <a:latin typeface="David" panose="020E0502060401010101" pitchFamily="34" charset="-79"/>
-              <a:cs typeface="David" panose="020E0502060401010101" pitchFamily="34" charset="-79"/>
-            </a:endParaRPr>
-          </a:p>
-          <a:p>
-            <a:pPr algn="ctr" rtl="1"/>
-            <a:r>
-              <a:rPr lang="he-IL" sz="2325" dirty="0">
-                <a:solidFill>
-                  <a:schemeClr val="tx1"/>
-                </a:solidFill>
-                <a:latin typeface="David" panose="020E0502060401010101" pitchFamily="34" charset="-79"/>
-                <a:cs typeface="David" panose="020E0502060401010101" pitchFamily="34" charset="-79"/>
-              </a:rPr>
-              <a:t>האימון דומה למטלה שביצעת קודם, רק שהפעם .</a:t>
-            </a:r>
-          </a:p>
-          <a:p>
-            <a:pPr algn="ctr" rtl="1"/>
-            <a:endParaRPr lang="he-IL" sz="2325" dirty="0">
-              <a:solidFill>
-                <a:schemeClr val="tx1"/>
-              </a:solidFill>
-              <a:latin typeface="David" panose="020E0502060401010101" pitchFamily="34" charset="-79"/>
-              <a:cs typeface="David" panose="020E0502060401010101" pitchFamily="34" charset="-79"/>
-            </a:endParaRPr>
-          </a:p>
-          <a:p>
-            <a:pPr algn="ctr" rtl="1"/>
-            <a:r>
-              <a:rPr lang="he-IL" sz="2325" dirty="0">
-                <a:solidFill>
-                  <a:schemeClr val="tx1"/>
-                </a:solidFill>
-                <a:latin typeface="David" panose="020E0502060401010101" pitchFamily="34" charset="-79"/>
-                <a:cs typeface="David" panose="020E0502060401010101" pitchFamily="34" charset="-79"/>
-              </a:rPr>
-              <a:t>בכל צעד, אתה מתבקש ללחוץ על הכפתור המתאים בקופסת התגובה בדיוק כפי שעשית קודם – מהר, ומדויק, לפי אופייה של הספרה המוצגת.</a:t>
+              <a:t>מטרת האימון היא ללמד אותך להיות מודע בזמן אמת כאשר מחשבה מסוימת משפיעה על הקשב שלך, כדי שתוכל להפנות את הקשב מהמחשבה אל המטלה שאתה מנסה לבצע, במקרה שלנו להפנות את תשומת הלב לנשימה.</a:t>
             </a:r>
           </a:p>
           <a:p>
@@ -3423,848 +3367,6 @@
     <p:extLst>
       <p:ext uri="{BB962C8B-B14F-4D97-AF65-F5344CB8AC3E}">
         <p14:creationId xmlns:p14="http://schemas.microsoft.com/office/powerpoint/2010/main" val="2388474775"/>
-      </p:ext>
-    </p:extLst>
-  </p:cSld>
-  <p:clrMapOvr>
-    <a:masterClrMapping/>
-  </p:clrMapOvr>
-</p:sld>
-</file>
-
-<file path=ppt/slides/slide3.xml><?xml version="1.0" encoding="utf-8"?>
-<p:sld xmlns:a="http://schemas.openxmlformats.org/drawingml/2006/main" xmlns:r="http://schemas.openxmlformats.org/officeDocument/2006/relationships" xmlns:p="http://schemas.openxmlformats.org/presentationml/2006/main">
-  <p:cSld>
-    <p:spTree>
-      <p:nvGrpSpPr>
-        <p:cNvPr id="1" name=""/>
-        <p:cNvGrpSpPr/>
-        <p:nvPr/>
-      </p:nvGrpSpPr>
-      <p:grpSpPr>
-        <a:xfrm>
-          <a:off x="0" y="0"/>
-          <a:ext cx="0" cy="0"/>
-          <a:chOff x="0" y="0"/>
-          <a:chExt cx="0" cy="0"/>
-        </a:xfrm>
-      </p:grpSpPr>
-      <p:sp>
-        <p:nvSpPr>
-          <p:cNvPr id="4" name="Rectangle 3"/>
-          <p:cNvSpPr>
-            <a:spLocks/>
-          </p:cNvSpPr>
-          <p:nvPr/>
-        </p:nvSpPr>
-        <p:spPr>
-          <a:xfrm>
-            <a:off x="2065971" y="577526"/>
-            <a:ext cx="8071946" cy="4969278"/>
-          </a:xfrm>
-          <a:prstGeom prst="rect">
-            <a:avLst/>
-          </a:prstGeom>
-          <a:solidFill>
-            <a:schemeClr val="bg1">
-              <a:lumMod val="65000"/>
-            </a:schemeClr>
-          </a:solidFill>
-          <a:ln w="76200">
-            <a:solidFill>
-              <a:schemeClr val="tx1">
-                <a:lumMod val="65000"/>
-                <a:lumOff val="35000"/>
-              </a:schemeClr>
-            </a:solidFill>
-          </a:ln>
-        </p:spPr>
-        <p:style>
-          <a:lnRef idx="2">
-            <a:schemeClr val="accent1">
-              <a:shade val="50000"/>
-            </a:schemeClr>
-          </a:lnRef>
-          <a:fillRef idx="1">
-            <a:schemeClr val="accent1"/>
-          </a:fillRef>
-          <a:effectRef idx="0">
-            <a:schemeClr val="accent1"/>
-          </a:effectRef>
-          <a:fontRef idx="minor">
-            <a:schemeClr val="lt1"/>
-          </a:fontRef>
-        </p:style>
-        <p:txBody>
-          <a:bodyPr lIns="160949" tIns="80476" rIns="160949" bIns="80476" rtlCol="1" anchor="ctr"/>
-          <a:lstStyle/>
-          <a:p>
-            <a:pPr algn="ctr" rtl="1"/>
-            <a:r>
-              <a:rPr lang="he-IL" sz="2325" dirty="0">
-                <a:solidFill>
-                  <a:schemeClr val="tx1"/>
-                </a:solidFill>
-                <a:latin typeface="David" panose="020E0502060401010101" pitchFamily="34" charset="-79"/>
-                <a:cs typeface="David" panose="020E0502060401010101" pitchFamily="34" charset="-79"/>
-              </a:rPr>
-              <a:t>מיד לאחר שתלחץ על הכפתור, יוצג בפניך המשוב הבא:</a:t>
-            </a:r>
-            <a:endParaRPr lang="en-US" sz="2325" dirty="0">
-              <a:solidFill>
-                <a:schemeClr val="tx1"/>
-              </a:solidFill>
-              <a:latin typeface="David" panose="020E0502060401010101" pitchFamily="34" charset="-79"/>
-              <a:cs typeface="David" panose="020E0502060401010101" pitchFamily="34" charset="-79"/>
-            </a:endParaRPr>
-          </a:p>
-          <a:p>
-            <a:pPr algn="ctr" rtl="1"/>
-            <a:endParaRPr lang="en-US" sz="2325" dirty="0">
-              <a:solidFill>
-                <a:schemeClr val="tx1"/>
-              </a:solidFill>
-              <a:latin typeface="David" panose="020E0502060401010101" pitchFamily="34" charset="-79"/>
-              <a:cs typeface="David" panose="020E0502060401010101" pitchFamily="34" charset="-79"/>
-            </a:endParaRPr>
-          </a:p>
-          <a:p>
-            <a:pPr algn="ctr" rtl="1"/>
-            <a:endParaRPr lang="en-US" sz="2325" dirty="0">
-              <a:solidFill>
-                <a:schemeClr val="tx1"/>
-              </a:solidFill>
-              <a:latin typeface="David" panose="020E0502060401010101" pitchFamily="34" charset="-79"/>
-              <a:cs typeface="David" panose="020E0502060401010101" pitchFamily="34" charset="-79"/>
-            </a:endParaRPr>
-          </a:p>
-          <a:p>
-            <a:pPr algn="ctr" rtl="1"/>
-            <a:endParaRPr lang="en-US" sz="2325" dirty="0">
-              <a:solidFill>
-                <a:schemeClr val="tx1"/>
-              </a:solidFill>
-              <a:latin typeface="David" panose="020E0502060401010101" pitchFamily="34" charset="-79"/>
-              <a:cs typeface="David" panose="020E0502060401010101" pitchFamily="34" charset="-79"/>
-            </a:endParaRPr>
-          </a:p>
-          <a:p>
-            <a:pPr algn="ctr" rtl="1"/>
-            <a:endParaRPr lang="he-IL" sz="2325" dirty="0">
-              <a:solidFill>
-                <a:schemeClr val="tx1"/>
-              </a:solidFill>
-              <a:latin typeface="David" panose="020E0502060401010101" pitchFamily="34" charset="-79"/>
-              <a:cs typeface="David" panose="020E0502060401010101" pitchFamily="34" charset="-79"/>
-            </a:endParaRPr>
-          </a:p>
-          <a:p>
-            <a:pPr algn="ctr" rtl="1"/>
-            <a:endParaRPr lang="he-IL" sz="2325" dirty="0">
-              <a:solidFill>
-                <a:schemeClr val="tx1"/>
-              </a:solidFill>
-              <a:latin typeface="David" panose="020E0502060401010101" pitchFamily="34" charset="-79"/>
-              <a:cs typeface="David" panose="020E0502060401010101" pitchFamily="34" charset="-79"/>
-            </a:endParaRPr>
-          </a:p>
-          <a:p>
-            <a:pPr algn="ctr" rtl="1"/>
-            <a:endParaRPr lang="he-IL" sz="2325" dirty="0">
-              <a:solidFill>
-                <a:schemeClr val="tx1"/>
-              </a:solidFill>
-              <a:latin typeface="David" panose="020E0502060401010101" pitchFamily="34" charset="-79"/>
-              <a:cs typeface="David" panose="020E0502060401010101" pitchFamily="34" charset="-79"/>
-            </a:endParaRPr>
-          </a:p>
-          <a:p>
-            <a:pPr algn="ctr" rtl="1"/>
-            <a:endParaRPr lang="he-IL" sz="2325" dirty="0">
-              <a:solidFill>
-                <a:schemeClr val="tx1"/>
-              </a:solidFill>
-              <a:latin typeface="David" panose="020E0502060401010101" pitchFamily="34" charset="-79"/>
-              <a:cs typeface="David" panose="020E0502060401010101" pitchFamily="34" charset="-79"/>
-            </a:endParaRPr>
-          </a:p>
-          <a:p>
-            <a:pPr algn="ctr" rtl="1"/>
-            <a:endParaRPr lang="he-IL" sz="2325" dirty="0">
-              <a:solidFill>
-                <a:schemeClr val="tx1"/>
-              </a:solidFill>
-              <a:latin typeface="David" panose="020E0502060401010101" pitchFamily="34" charset="-79"/>
-              <a:cs typeface="David" panose="020E0502060401010101" pitchFamily="34" charset="-79"/>
-            </a:endParaRPr>
-          </a:p>
-          <a:p>
-            <a:pPr algn="ctr" rtl="1"/>
-            <a:endParaRPr lang="he-IL" sz="2325" dirty="0">
-              <a:solidFill>
-                <a:schemeClr val="tx1"/>
-              </a:solidFill>
-              <a:latin typeface="David" panose="020E0502060401010101" pitchFamily="34" charset="-79"/>
-              <a:cs typeface="David" panose="020E0502060401010101" pitchFamily="34" charset="-79"/>
-            </a:endParaRPr>
-          </a:p>
-          <a:p>
-            <a:pPr algn="ctr" rtl="1"/>
-            <a:endParaRPr lang="he-IL" sz="2325" dirty="0">
-              <a:solidFill>
-                <a:schemeClr val="tx1"/>
-              </a:solidFill>
-              <a:latin typeface="David" panose="020E0502060401010101" pitchFamily="34" charset="-79"/>
-              <a:cs typeface="David" panose="020E0502060401010101" pitchFamily="34" charset="-79"/>
-            </a:endParaRPr>
-          </a:p>
-        </p:txBody>
-      </p:sp>
-      <p:sp>
-        <p:nvSpPr>
-          <p:cNvPr id="5" name="Rectangle 4"/>
-          <p:cNvSpPr/>
-          <p:nvPr/>
-        </p:nvSpPr>
-        <p:spPr>
-          <a:xfrm>
-            <a:off x="4726770" y="5358207"/>
-            <a:ext cx="2750351" cy="1021313"/>
-          </a:xfrm>
-          <a:prstGeom prst="rect">
-            <a:avLst/>
-          </a:prstGeom>
-          <a:solidFill>
-            <a:schemeClr val="tx1">
-              <a:lumMod val="65000"/>
-              <a:lumOff val="35000"/>
-            </a:schemeClr>
-          </a:solidFill>
-          <a:ln w="76200">
-            <a:solidFill>
-              <a:schemeClr val="tx1">
-                <a:lumMod val="85000"/>
-                <a:lumOff val="15000"/>
-              </a:schemeClr>
-            </a:solidFill>
-          </a:ln>
-        </p:spPr>
-        <p:style>
-          <a:lnRef idx="2">
-            <a:schemeClr val="accent1">
-              <a:shade val="50000"/>
-            </a:schemeClr>
-          </a:lnRef>
-          <a:fillRef idx="1">
-            <a:schemeClr val="accent1"/>
-          </a:fillRef>
-          <a:effectRef idx="0">
-            <a:schemeClr val="accent1"/>
-          </a:effectRef>
-          <a:fontRef idx="minor">
-            <a:schemeClr val="lt1"/>
-          </a:fontRef>
-        </p:style>
-        <p:txBody>
-          <a:bodyPr lIns="160949" tIns="80476" rIns="160949" bIns="80476" rtlCol="1" anchor="ctr"/>
-          <a:lstStyle/>
-          <a:p>
-            <a:pPr algn="ctr" rtl="1"/>
-            <a:r>
-              <a:rPr lang="he-IL" sz="1937" dirty="0">
-                <a:solidFill>
-                  <a:schemeClr val="tx1"/>
-                </a:solidFill>
-                <a:latin typeface="David" panose="020E0502060401010101" pitchFamily="34" charset="-79"/>
-                <a:cs typeface="David" panose="020E0502060401010101" pitchFamily="34" charset="-79"/>
-              </a:rPr>
-              <a:t>לחץ על אחד המקשים כדי להמשיך</a:t>
-            </a:r>
-          </a:p>
-        </p:txBody>
-      </p:sp>
-      <p:grpSp>
-        <p:nvGrpSpPr>
-          <p:cNvPr id="6" name="Group 5"/>
-          <p:cNvGrpSpPr/>
-          <p:nvPr/>
-        </p:nvGrpSpPr>
-        <p:grpSpPr>
-          <a:xfrm>
-            <a:off x="5456126" y="1779804"/>
-            <a:ext cx="2020995" cy="3166593"/>
-            <a:chOff x="5456126" y="1779804"/>
-            <a:chExt cx="2020995" cy="3166593"/>
-          </a:xfrm>
-        </p:grpSpPr>
-        <p:pic>
-          <p:nvPicPr>
-            <p:cNvPr id="2" name="Picture 1"/>
-            <p:cNvPicPr>
-              <a:picLocks noChangeAspect="1"/>
-            </p:cNvPicPr>
-            <p:nvPr/>
-          </p:nvPicPr>
-          <p:blipFill>
-            <a:blip r:embed="rId2">
-              <a:extLst>
-                <a:ext uri="{28A0092B-C50C-407E-A947-70E740481C1C}">
-                  <a14:useLocalDpi xmlns:a14="http://schemas.microsoft.com/office/drawing/2010/main" val="0"/>
-                </a:ext>
-              </a:extLst>
-            </a:blip>
-            <a:stretch>
-              <a:fillRect/>
-            </a:stretch>
-          </p:blipFill>
-          <p:spPr>
-            <a:xfrm>
-              <a:off x="5456126" y="1779804"/>
-              <a:ext cx="645818" cy="3166593"/>
-            </a:xfrm>
-            <a:prstGeom prst="rect">
-              <a:avLst/>
-            </a:prstGeom>
-          </p:spPr>
-        </p:pic>
-        <p:pic>
-          <p:nvPicPr>
-            <p:cNvPr id="3" name="Picture 2"/>
-            <p:cNvPicPr>
-              <a:picLocks noChangeAspect="1"/>
-            </p:cNvPicPr>
-            <p:nvPr/>
-          </p:nvPicPr>
-          <p:blipFill>
-            <a:blip r:embed="rId3">
-              <a:extLst>
-                <a:ext uri="{28A0092B-C50C-407E-A947-70E740481C1C}">
-                  <a14:useLocalDpi xmlns:a14="http://schemas.microsoft.com/office/drawing/2010/main" val="0"/>
-                </a:ext>
-              </a:extLst>
-            </a:blip>
-            <a:stretch>
-              <a:fillRect/>
-            </a:stretch>
-          </p:blipFill>
-          <p:spPr>
-            <a:xfrm>
-              <a:off x="6174929" y="3206837"/>
-              <a:ext cx="1302192" cy="312526"/>
-            </a:xfrm>
-            <a:prstGeom prst="rect">
-              <a:avLst/>
-            </a:prstGeom>
-          </p:spPr>
-        </p:pic>
-      </p:grpSp>
-    </p:spTree>
-    <p:extLst>
-      <p:ext uri="{BB962C8B-B14F-4D97-AF65-F5344CB8AC3E}">
-        <p14:creationId xmlns:p14="http://schemas.microsoft.com/office/powerpoint/2010/main" val="3788500263"/>
-      </p:ext>
-    </p:extLst>
-  </p:cSld>
-  <p:clrMapOvr>
-    <a:masterClrMapping/>
-  </p:clrMapOvr>
-</p:sld>
-</file>
-
-<file path=ppt/slides/slide4.xml><?xml version="1.0" encoding="utf-8"?>
-<p:sld xmlns:a="http://schemas.openxmlformats.org/drawingml/2006/main" xmlns:r="http://schemas.openxmlformats.org/officeDocument/2006/relationships" xmlns:p="http://schemas.openxmlformats.org/presentationml/2006/main">
-  <p:cSld>
-    <p:spTree>
-      <p:nvGrpSpPr>
-        <p:cNvPr id="1" name=""/>
-        <p:cNvGrpSpPr/>
-        <p:nvPr/>
-      </p:nvGrpSpPr>
-      <p:grpSpPr>
-        <a:xfrm>
-          <a:off x="0" y="0"/>
-          <a:ext cx="0" cy="0"/>
-          <a:chOff x="0" y="0"/>
-          <a:chExt cx="0" cy="0"/>
-        </a:xfrm>
-      </p:grpSpPr>
-      <p:sp>
-        <p:nvSpPr>
-          <p:cNvPr id="4" name="Rectangle 3"/>
-          <p:cNvSpPr>
-            <a:spLocks/>
-          </p:cNvSpPr>
-          <p:nvPr/>
-        </p:nvSpPr>
-        <p:spPr>
-          <a:xfrm>
-            <a:off x="2065971" y="577526"/>
-            <a:ext cx="8071946" cy="4969278"/>
-          </a:xfrm>
-          <a:prstGeom prst="rect">
-            <a:avLst/>
-          </a:prstGeom>
-          <a:solidFill>
-            <a:schemeClr val="bg1">
-              <a:lumMod val="65000"/>
-            </a:schemeClr>
-          </a:solidFill>
-          <a:ln w="76200">
-            <a:solidFill>
-              <a:schemeClr val="tx1">
-                <a:lumMod val="65000"/>
-                <a:lumOff val="35000"/>
-              </a:schemeClr>
-            </a:solidFill>
-          </a:ln>
-        </p:spPr>
-        <p:style>
-          <a:lnRef idx="2">
-            <a:schemeClr val="accent1">
-              <a:shade val="50000"/>
-            </a:schemeClr>
-          </a:lnRef>
-          <a:fillRef idx="1">
-            <a:schemeClr val="accent1"/>
-          </a:fillRef>
-          <a:effectRef idx="0">
-            <a:schemeClr val="accent1"/>
-          </a:effectRef>
-          <a:fontRef idx="minor">
-            <a:schemeClr val="lt1"/>
-          </a:fontRef>
-        </p:style>
-        <p:txBody>
-          <a:bodyPr lIns="160949" tIns="80476" rIns="160949" bIns="80476" rtlCol="1" anchor="ctr"/>
-          <a:lstStyle/>
-          <a:p>
-            <a:pPr algn="ctr" rtl="1"/>
-            <a:r>
-              <a:rPr lang="he-IL" sz="2325" dirty="0">
-                <a:solidFill>
-                  <a:schemeClr val="tx1"/>
-                </a:solidFill>
-                <a:latin typeface="David" panose="020E0502060401010101" pitchFamily="34" charset="-79"/>
-                <a:cs typeface="David" panose="020E0502060401010101" pitchFamily="34" charset="-79"/>
-              </a:rPr>
-              <a:t>במקרה שבו מחשבה שלילית תשפיע על הקשב שלך, החץ במשוב יצביע על "מוטה", ויראה לך עד כמה תשומת הלב שלך הושפעה מהמחשבה.</a:t>
-            </a:r>
-          </a:p>
-          <a:p>
-            <a:pPr algn="ctr" rtl="1"/>
-            <a:endParaRPr lang="he-IL" sz="2325" dirty="0">
-              <a:solidFill>
-                <a:schemeClr val="tx1"/>
-              </a:solidFill>
-              <a:latin typeface="David" panose="020E0502060401010101" pitchFamily="34" charset="-79"/>
-              <a:cs typeface="David" panose="020E0502060401010101" pitchFamily="34" charset="-79"/>
-            </a:endParaRPr>
-          </a:p>
-          <a:p>
-            <a:pPr algn="ctr" rtl="1"/>
-            <a:r>
-              <a:rPr lang="he-IL" sz="2325" dirty="0">
-                <a:solidFill>
-                  <a:schemeClr val="tx1"/>
-                </a:solidFill>
-                <a:latin typeface="David" panose="020E0502060401010101" pitchFamily="34" charset="-79"/>
-                <a:cs typeface="David" panose="020E0502060401010101" pitchFamily="34" charset="-79"/>
-              </a:rPr>
-              <a:t>במקרה שבו הצלחת לשמור על הקשב שלך מאוזן, כך שהוא לא הושפע מהמחשבה השלילית, החץ במשוב שתקבל יעלה ויראה לך שהקשב שלך היה מאוזן יותר.</a:t>
-            </a:r>
-          </a:p>
-          <a:p>
-            <a:pPr algn="ctr" rtl="1"/>
-            <a:endParaRPr lang="he-IL" sz="2325" dirty="0">
-              <a:solidFill>
-                <a:schemeClr val="tx1"/>
-              </a:solidFill>
-              <a:latin typeface="David" panose="020E0502060401010101" pitchFamily="34" charset="-79"/>
-              <a:cs typeface="David" panose="020E0502060401010101" pitchFamily="34" charset="-79"/>
-            </a:endParaRPr>
-          </a:p>
-          <a:p>
-            <a:pPr algn="ctr" rtl="1"/>
-            <a:endParaRPr lang="he-IL" sz="2325" dirty="0">
-              <a:solidFill>
-                <a:schemeClr val="tx1"/>
-              </a:solidFill>
-              <a:latin typeface="David" panose="020E0502060401010101" pitchFamily="34" charset="-79"/>
-              <a:cs typeface="David" panose="020E0502060401010101" pitchFamily="34" charset="-79"/>
-            </a:endParaRPr>
-          </a:p>
-          <a:p>
-            <a:pPr algn="ctr" rtl="1"/>
-            <a:endParaRPr lang="he-IL" sz="2325" dirty="0">
-              <a:solidFill>
-                <a:schemeClr val="tx1"/>
-              </a:solidFill>
-              <a:latin typeface="David" panose="020E0502060401010101" pitchFamily="34" charset="-79"/>
-              <a:cs typeface="David" panose="020E0502060401010101" pitchFamily="34" charset="-79"/>
-            </a:endParaRPr>
-          </a:p>
-          <a:p>
-            <a:pPr algn="ctr" rtl="1"/>
-            <a:endParaRPr lang="he-IL" sz="2325" dirty="0">
-              <a:solidFill>
-                <a:schemeClr val="tx1"/>
-              </a:solidFill>
-              <a:latin typeface="David" panose="020E0502060401010101" pitchFamily="34" charset="-79"/>
-              <a:cs typeface="David" panose="020E0502060401010101" pitchFamily="34" charset="-79"/>
-            </a:endParaRPr>
-          </a:p>
-          <a:p>
-            <a:pPr algn="ctr" rtl="1"/>
-            <a:endParaRPr lang="he-IL" sz="2325" dirty="0">
-              <a:solidFill>
-                <a:schemeClr val="tx1"/>
-              </a:solidFill>
-              <a:latin typeface="David" panose="020E0502060401010101" pitchFamily="34" charset="-79"/>
-              <a:cs typeface="David" panose="020E0502060401010101" pitchFamily="34" charset="-79"/>
-            </a:endParaRPr>
-          </a:p>
-          <a:p>
-            <a:pPr algn="ctr" rtl="1"/>
-            <a:endParaRPr lang="he-IL" sz="2325" dirty="0">
-              <a:solidFill>
-                <a:schemeClr val="tx1"/>
-              </a:solidFill>
-              <a:latin typeface="David" panose="020E0502060401010101" pitchFamily="34" charset="-79"/>
-              <a:cs typeface="David" panose="020E0502060401010101" pitchFamily="34" charset="-79"/>
-            </a:endParaRPr>
-          </a:p>
-        </p:txBody>
-      </p:sp>
-      <p:sp>
-        <p:nvSpPr>
-          <p:cNvPr id="5" name="Rectangle 4"/>
-          <p:cNvSpPr/>
-          <p:nvPr/>
-        </p:nvSpPr>
-        <p:spPr>
-          <a:xfrm>
-            <a:off x="4726770" y="5358207"/>
-            <a:ext cx="2750351" cy="1021313"/>
-          </a:xfrm>
-          <a:prstGeom prst="rect">
-            <a:avLst/>
-          </a:prstGeom>
-          <a:solidFill>
-            <a:schemeClr val="tx1">
-              <a:lumMod val="65000"/>
-              <a:lumOff val="35000"/>
-            </a:schemeClr>
-          </a:solidFill>
-          <a:ln w="76200">
-            <a:solidFill>
-              <a:schemeClr val="tx1">
-                <a:lumMod val="85000"/>
-                <a:lumOff val="15000"/>
-              </a:schemeClr>
-            </a:solidFill>
-          </a:ln>
-        </p:spPr>
-        <p:style>
-          <a:lnRef idx="2">
-            <a:schemeClr val="accent1">
-              <a:shade val="50000"/>
-            </a:schemeClr>
-          </a:lnRef>
-          <a:fillRef idx="1">
-            <a:schemeClr val="accent1"/>
-          </a:fillRef>
-          <a:effectRef idx="0">
-            <a:schemeClr val="accent1"/>
-          </a:effectRef>
-          <a:fontRef idx="minor">
-            <a:schemeClr val="lt1"/>
-          </a:fontRef>
-        </p:style>
-        <p:txBody>
-          <a:bodyPr lIns="160949" tIns="80476" rIns="160949" bIns="80476" rtlCol="1" anchor="ctr"/>
-          <a:lstStyle/>
-          <a:p>
-            <a:pPr algn="ctr" rtl="1"/>
-            <a:r>
-              <a:rPr lang="he-IL" sz="1937" dirty="0">
-                <a:solidFill>
-                  <a:schemeClr val="tx1"/>
-                </a:solidFill>
-                <a:latin typeface="David" panose="020E0502060401010101" pitchFamily="34" charset="-79"/>
-                <a:cs typeface="David" panose="020E0502060401010101" pitchFamily="34" charset="-79"/>
-              </a:rPr>
-              <a:t>לחץ על אחד המקשים כדי להמשיך</a:t>
-            </a:r>
-          </a:p>
-        </p:txBody>
-      </p:sp>
-      <p:pic>
-        <p:nvPicPr>
-          <p:cNvPr id="10" name="Picture 9"/>
-          <p:cNvPicPr>
-            <a:picLocks noChangeAspect="1"/>
-          </p:cNvPicPr>
-          <p:nvPr/>
-        </p:nvPicPr>
-        <p:blipFill>
-          <a:blip r:embed="rId2" cstate="print">
-            <a:extLst>
-              <a:ext uri="{28A0092B-C50C-407E-A947-70E740481C1C}">
-                <a14:useLocalDpi xmlns:a14="http://schemas.microsoft.com/office/drawing/2010/main" val="0"/>
-              </a:ext>
-            </a:extLst>
-          </a:blip>
-          <a:stretch>
-            <a:fillRect/>
-          </a:stretch>
-        </p:blipFill>
-        <p:spPr>
-          <a:xfrm>
-            <a:off x="5795213" y="3062165"/>
-            <a:ext cx="1351862" cy="2113303"/>
-          </a:xfrm>
-          <a:prstGeom prst="rect">
-            <a:avLst/>
-          </a:prstGeom>
-        </p:spPr>
-      </p:pic>
-    </p:spTree>
-    <p:extLst>
-      <p:ext uri="{BB962C8B-B14F-4D97-AF65-F5344CB8AC3E}">
-        <p14:creationId xmlns:p14="http://schemas.microsoft.com/office/powerpoint/2010/main" val="4289600243"/>
-      </p:ext>
-    </p:extLst>
-  </p:cSld>
-  <p:clrMapOvr>
-    <a:masterClrMapping/>
-  </p:clrMapOvr>
-</p:sld>
-</file>
-
-<file path=ppt/slides/slide5.xml><?xml version="1.0" encoding="utf-8"?>
-<p:sld xmlns:a="http://schemas.openxmlformats.org/drawingml/2006/main" xmlns:r="http://schemas.openxmlformats.org/officeDocument/2006/relationships" xmlns:p="http://schemas.openxmlformats.org/presentationml/2006/main">
-  <p:cSld>
-    <p:spTree>
-      <p:nvGrpSpPr>
-        <p:cNvPr id="1" name=""/>
-        <p:cNvGrpSpPr/>
-        <p:nvPr/>
-      </p:nvGrpSpPr>
-      <p:grpSpPr>
-        <a:xfrm>
-          <a:off x="0" y="0"/>
-          <a:ext cx="0" cy="0"/>
-          <a:chOff x="0" y="0"/>
-          <a:chExt cx="0" cy="0"/>
-        </a:xfrm>
-      </p:grpSpPr>
-      <p:sp>
-        <p:nvSpPr>
-          <p:cNvPr id="4" name="Rectangle 3"/>
-          <p:cNvSpPr>
-            <a:spLocks/>
-          </p:cNvSpPr>
-          <p:nvPr/>
-        </p:nvSpPr>
-        <p:spPr>
-          <a:xfrm>
-            <a:off x="2065971" y="577526"/>
-            <a:ext cx="8071946" cy="4969278"/>
-          </a:xfrm>
-          <a:prstGeom prst="rect">
-            <a:avLst/>
-          </a:prstGeom>
-          <a:solidFill>
-            <a:schemeClr val="bg1">
-              <a:lumMod val="65000"/>
-            </a:schemeClr>
-          </a:solidFill>
-          <a:ln w="76200">
-            <a:solidFill>
-              <a:schemeClr val="tx1">
-                <a:lumMod val="65000"/>
-                <a:lumOff val="35000"/>
-              </a:schemeClr>
-            </a:solidFill>
-          </a:ln>
-        </p:spPr>
-        <p:style>
-          <a:lnRef idx="2">
-            <a:schemeClr val="accent1">
-              <a:shade val="50000"/>
-            </a:schemeClr>
-          </a:lnRef>
-          <a:fillRef idx="1">
-            <a:schemeClr val="accent1"/>
-          </a:fillRef>
-          <a:effectRef idx="0">
-            <a:schemeClr val="accent1"/>
-          </a:effectRef>
-          <a:fontRef idx="minor">
-            <a:schemeClr val="lt1"/>
-          </a:fontRef>
-        </p:style>
-        <p:txBody>
-          <a:bodyPr lIns="160949" tIns="80476" rIns="160949" bIns="80476" rtlCol="1" anchor="ctr"/>
-          <a:lstStyle/>
-          <a:p>
-            <a:pPr algn="ctr" rtl="1"/>
-            <a:r>
-              <a:rPr lang="he-IL" sz="2325" dirty="0">
-                <a:solidFill>
-                  <a:schemeClr val="tx1"/>
-                </a:solidFill>
-                <a:latin typeface="David" panose="020E0502060401010101" pitchFamily="34" charset="-79"/>
-                <a:cs typeface="David" panose="020E0502060401010101" pitchFamily="34" charset="-79"/>
-              </a:rPr>
-              <a:t>בכל פעם, נסה להשתמש במשוב כדי ללמוד לאזן את הקשב שלך, ולמנוע ממנו להיות מושפע מהמחשבות השליליות בהמשך המטלה.</a:t>
-            </a:r>
-          </a:p>
-          <a:p>
-            <a:pPr algn="ctr" rtl="1"/>
-            <a:endParaRPr lang="he-IL" sz="2325" dirty="0">
-              <a:solidFill>
-                <a:schemeClr val="tx1"/>
-              </a:solidFill>
-              <a:latin typeface="David" panose="020E0502060401010101" pitchFamily="34" charset="-79"/>
-              <a:cs typeface="David" panose="020E0502060401010101" pitchFamily="34" charset="-79"/>
-            </a:endParaRPr>
-          </a:p>
-          <a:p>
-            <a:pPr algn="ctr" rtl="1"/>
-            <a:r>
-              <a:rPr lang="he-IL" sz="2325" b="1" dirty="0">
-                <a:solidFill>
-                  <a:schemeClr val="tx1"/>
-                </a:solidFill>
-                <a:latin typeface="David" panose="020E0502060401010101" pitchFamily="34" charset="-79"/>
-                <a:cs typeface="David" panose="020E0502060401010101" pitchFamily="34" charset="-79"/>
-              </a:rPr>
-              <a:t>חשוב לזכור – </a:t>
-            </a:r>
-            <a:r>
-              <a:rPr lang="he-IL" sz="2325" dirty="0">
-                <a:solidFill>
-                  <a:schemeClr val="tx1"/>
-                </a:solidFill>
-                <a:latin typeface="David" panose="020E0502060401010101" pitchFamily="34" charset="-79"/>
-                <a:cs typeface="David" panose="020E0502060401010101" pitchFamily="34" charset="-79"/>
-              </a:rPr>
-              <a:t>בכל פעם שיוצג משוב, הוא מתייחס לקשב שלך </a:t>
-            </a:r>
-            <a:r>
-              <a:rPr lang="he-IL" sz="2325" b="1" dirty="0">
-                <a:solidFill>
-                  <a:schemeClr val="tx1"/>
-                </a:solidFill>
-                <a:latin typeface="David" panose="020E0502060401010101" pitchFamily="34" charset="-79"/>
-                <a:cs typeface="David" panose="020E0502060401010101" pitchFamily="34" charset="-79"/>
-              </a:rPr>
-              <a:t>בצעד האחרון בלבד</a:t>
-            </a:r>
-            <a:r>
-              <a:rPr lang="he-IL" sz="2325" dirty="0">
-                <a:solidFill>
-                  <a:schemeClr val="tx1"/>
-                </a:solidFill>
-                <a:latin typeface="David" panose="020E0502060401010101" pitchFamily="34" charset="-79"/>
-                <a:cs typeface="David" panose="020E0502060401010101" pitchFamily="34" charset="-79"/>
-              </a:rPr>
-              <a:t>!</a:t>
-            </a:r>
-          </a:p>
-          <a:p>
-            <a:pPr algn="ctr" rtl="1"/>
-            <a:endParaRPr lang="he-IL" sz="2325" b="1" dirty="0">
-              <a:solidFill>
-                <a:schemeClr val="tx1"/>
-              </a:solidFill>
-              <a:latin typeface="David" panose="020E0502060401010101" pitchFamily="34" charset="-79"/>
-              <a:cs typeface="David" panose="020E0502060401010101" pitchFamily="34" charset="-79"/>
-            </a:endParaRPr>
-          </a:p>
-          <a:p>
-            <a:pPr algn="ctr" rtl="1"/>
-            <a:r>
-              <a:rPr lang="he-IL" sz="2325" b="1" dirty="0">
-                <a:solidFill>
-                  <a:schemeClr val="tx1"/>
-                </a:solidFill>
-                <a:latin typeface="David" panose="020E0502060401010101" pitchFamily="34" charset="-79"/>
-                <a:cs typeface="David" panose="020E0502060401010101" pitchFamily="34" charset="-79"/>
-              </a:rPr>
-              <a:t>במידה והבנת את ההוראות אנא לחץ כדי להמשיך.</a:t>
-            </a:r>
-          </a:p>
-        </p:txBody>
-      </p:sp>
-      <p:sp>
-        <p:nvSpPr>
-          <p:cNvPr id="5" name="Rectangle 4"/>
-          <p:cNvSpPr/>
-          <p:nvPr/>
-        </p:nvSpPr>
-        <p:spPr>
-          <a:xfrm>
-            <a:off x="4726770" y="5358207"/>
-            <a:ext cx="2750351" cy="1021313"/>
-          </a:xfrm>
-          <a:prstGeom prst="rect">
-            <a:avLst/>
-          </a:prstGeom>
-          <a:solidFill>
-            <a:schemeClr val="tx1">
-              <a:lumMod val="65000"/>
-              <a:lumOff val="35000"/>
-            </a:schemeClr>
-          </a:solidFill>
-          <a:ln w="76200">
-            <a:solidFill>
-              <a:schemeClr val="tx1">
-                <a:lumMod val="85000"/>
-                <a:lumOff val="15000"/>
-              </a:schemeClr>
-            </a:solidFill>
-          </a:ln>
-        </p:spPr>
-        <p:style>
-          <a:lnRef idx="2">
-            <a:schemeClr val="accent1">
-              <a:shade val="50000"/>
-            </a:schemeClr>
-          </a:lnRef>
-          <a:fillRef idx="1">
-            <a:schemeClr val="accent1"/>
-          </a:fillRef>
-          <a:effectRef idx="0">
-            <a:schemeClr val="accent1"/>
-          </a:effectRef>
-          <a:fontRef idx="minor">
-            <a:schemeClr val="lt1"/>
-          </a:fontRef>
-        </p:style>
-        <p:txBody>
-          <a:bodyPr lIns="160949" tIns="80476" rIns="160949" bIns="80476" rtlCol="1" anchor="ctr"/>
-          <a:lstStyle/>
-          <a:p>
-            <a:pPr algn="ctr" rtl="1"/>
-            <a:r>
-              <a:rPr lang="he-IL" sz="1937" dirty="0">
-                <a:solidFill>
-                  <a:schemeClr val="tx1"/>
-                </a:solidFill>
-                <a:latin typeface="David" panose="020E0502060401010101" pitchFamily="34" charset="-79"/>
-                <a:cs typeface="David" panose="020E0502060401010101" pitchFamily="34" charset="-79"/>
-              </a:rPr>
-              <a:t>לחץ על אחד המקשים כדי להמשיך</a:t>
-            </a:r>
-          </a:p>
-        </p:txBody>
-      </p:sp>
-    </p:spTree>
-    <p:extLst>
-      <p:ext uri="{BB962C8B-B14F-4D97-AF65-F5344CB8AC3E}">
-        <p14:creationId xmlns:p14="http://schemas.microsoft.com/office/powerpoint/2010/main" val="2930946924"/>
       </p:ext>
     </p:extLst>
   </p:cSld>
